--- a/media/Final_Anniversary_Presentation.pptx
+++ b/media/Final_Anniversary_Presentation.pptx
@@ -23,15 +23,6 @@
   </p:sldIdLst>
   <p:sldSz cx="9144000" cy="5143500" type="screen16x9"/>
   <p:notesSz cx="6858000" cy="9144000"/>
-  <p:embeddedFontLst>
-    <p:embeddedFont>
-      <p:font typeface="Century Gothic" panose="020B0502020202020204" pitchFamily="34" charset="0"/>
-      <p:regular r:id="rId15"/>
-      <p:bold r:id="rId16"/>
-      <p:italic r:id="rId17"/>
-      <p:boldItalic r:id="rId18"/>
-    </p:embeddedFont>
-  </p:embeddedFontLst>
   <p:defaultTextStyle>
     <a:defPPr marR="0" lvl="0" algn="l" rtl="0">
       <a:lnSpc>
@@ -6695,7 +6686,7 @@
           <p:cNvPr id="2" name="TextBox 1">
             <a:extLst>
               <a:ext uri="{FF2B5EF4-FFF2-40B4-BE49-F238E27FC236}">
-                <a16:creationId xmlns:a16="http://schemas.microsoft.com/office/drawing/2014/main" id="{4C75CDAE-8102-6DAA-FB1B-C88DB6C57474}"/>
+                <a16:creationId xmlns:a16="http://schemas.microsoft.com/office/drawing/2014/main" id="{C1AF99F9-B5A2-AC3E-54D3-341A4FF0635F}"/>
               </a:ext>
             </a:extLst>
           </p:cNvPr>
@@ -6704,7 +6695,7 @@
         </p:nvSpPr>
         <p:spPr>
           <a:xfrm>
-            <a:off x="3429000" y="3873500"/>
+            <a:off x="3429000" y="3238500"/>
             <a:ext cx="3175000" cy="461665"/>
           </a:xfrm>
           <a:prstGeom prst="rect">
@@ -6721,50 +6712,9 @@
             <a:pPr algn="ctr"/>
             <a:r>
               <a:rPr lang="en-IN" sz="2400" b="1">
-                <a:latin typeface="Century Gothic" panose="020B0502020202020204" pitchFamily="34" charset="0"/>
+                <a:latin typeface="Times New Roman" panose="02020603050405020304" pitchFamily="18" charset="0"/>
               </a:rPr>
               <a:t>Hemanth</a:t>
-            </a:r>
-          </a:p>
-        </p:txBody>
-      </p:sp>
-      <p:sp>
-        <p:nvSpPr>
-          <p:cNvPr id="3" name="TextBox 2">
-            <a:extLst>
-              <a:ext uri="{FF2B5EF4-FFF2-40B4-BE49-F238E27FC236}">
-                <a16:creationId xmlns:a16="http://schemas.microsoft.com/office/drawing/2014/main" id="{A85B5E44-F31C-4EAF-62C4-9A9532A6DEED}"/>
-              </a:ext>
-            </a:extLst>
-          </p:cNvPr>
-          <p:cNvSpPr txBox="1"/>
-          <p:nvPr/>
-        </p:nvSpPr>
-        <p:spPr>
-          <a:xfrm>
-            <a:off x="3429000" y="3238500"/>
-            <a:ext cx="3175000" cy="400110"/>
-          </a:xfrm>
-          <a:prstGeom prst="rect">
-            <a:avLst/>
-          </a:prstGeom>
-          <a:noFill/>
-        </p:spPr>
-        <p:txBody>
-          <a:bodyPr vert="horz" rtlCol="0">
-            <a:spAutoFit/>
-          </a:bodyPr>
-          <a:lstStyle/>
-          <a:p>
-            <a:pPr algn="ctr"/>
-            <a:r>
-              <a:rPr lang="en-IN" sz="2000" b="1">
-                <a:solidFill>
-                  <a:srgbClr val="FF0000"/>
-                </a:solidFill>
-                <a:latin typeface="Century Gothic" panose="020B0502020202020204" pitchFamily="34" charset="0"/>
-              </a:rPr>
-              <a:t>1 Years of Service</a:t>
             </a:r>
           </a:p>
         </p:txBody>
@@ -6960,7 +6910,7 @@
           <p:cNvPr id="2" name="TextBox 1">
             <a:extLst>
               <a:ext uri="{FF2B5EF4-FFF2-40B4-BE49-F238E27FC236}">
-                <a16:creationId xmlns:a16="http://schemas.microsoft.com/office/drawing/2014/main" id="{15C6197F-924E-11B3-8A52-1066C31B016E}"/>
+                <a16:creationId xmlns:a16="http://schemas.microsoft.com/office/drawing/2014/main" id="{6D2E63F3-1927-F4BB-B676-D1EE86C0C71B}"/>
               </a:ext>
             </a:extLst>
           </p:cNvPr>
@@ -6986,12 +6936,12 @@
             <a:pPr algn="just"/>
             <a:r>
               <a:rPr lang="en-US" sz="1800">
-                <a:latin typeface="Century Gothic" panose="020B0502020202020204" pitchFamily="34" charset="0"/>
+                <a:latin typeface="Times New Roman" panose="02020603050405020304" pitchFamily="18" charset="0"/>
               </a:rPr>
               <a:t>Happy 1st work anniversary, bro! Wishing you more success, growth, and achievements ahead!</a:t>
             </a:r>
             <a:endParaRPr lang="en-IN" sz="1800">
-              <a:latin typeface="Century Gothic" panose="020B0502020202020204" pitchFamily="34" charset="0"/>
+              <a:latin typeface="Times New Roman" panose="02020603050405020304" pitchFamily="18" charset="0"/>
             </a:endParaRPr>
           </a:p>
         </p:txBody>
@@ -7001,7 +6951,7 @@
           <p:cNvPr id="3" name="TextBox 2">
             <a:extLst>
               <a:ext uri="{FF2B5EF4-FFF2-40B4-BE49-F238E27FC236}">
-                <a16:creationId xmlns:a16="http://schemas.microsoft.com/office/drawing/2014/main" id="{AC308F53-C7BB-BD1F-83AF-AFBE648AE27E}"/>
+                <a16:creationId xmlns:a16="http://schemas.microsoft.com/office/drawing/2014/main" id="{E735120D-5D7A-503A-5490-CFCB8AB80AAE}"/>
               </a:ext>
             </a:extLst>
           </p:cNvPr>
@@ -7010,8 +6960,8 @@
         </p:nvSpPr>
         <p:spPr>
           <a:xfrm>
-            <a:off x="5771417" y="1945640"/>
-            <a:ext cx="1848583" cy="369332"/>
+            <a:off x="5915687" y="1945640"/>
+            <a:ext cx="1704313" cy="369332"/>
           </a:xfrm>
           <a:prstGeom prst="rect">
             <a:avLst/>
@@ -7026,11 +6976,11 @@
           <a:p>
             <a:pPr algn="r"/>
             <a:r>
-              <a:rPr lang="en-IN" sz="1800" b="1">
+              <a:rPr lang="en-IN" sz="1800" b="1" i="1">
                 <a:solidFill>
                   <a:srgbClr val="FF0000"/>
                 </a:solidFill>
-                <a:latin typeface="Century Gothic" panose="020B0502020202020204" pitchFamily="34" charset="0"/>
+                <a:latin typeface="Times New Roman" panose="02020603050405020304" pitchFamily="18" charset="0"/>
               </a:rPr>
               <a:t>- Elamaran A K</a:t>
             </a:r>
@@ -7042,7 +6992,7 @@
           <p:cNvPr id="4" name="TextBox 3">
             <a:extLst>
               <a:ext uri="{FF2B5EF4-FFF2-40B4-BE49-F238E27FC236}">
-                <a16:creationId xmlns:a16="http://schemas.microsoft.com/office/drawing/2014/main" id="{6A75F8D4-26D7-1D5E-9207-C26461D63946}"/>
+                <a16:creationId xmlns:a16="http://schemas.microsoft.com/office/drawing/2014/main" id="{CC823798-96D0-2D20-CB32-36191F8C4E9C}"/>
               </a:ext>
             </a:extLst>
           </p:cNvPr>
@@ -7068,12 +7018,12 @@
             <a:pPr algn="just"/>
             <a:r>
               <a:rPr lang="en-US" sz="1800">
-                <a:latin typeface="Century Gothic" panose="020B0502020202020204" pitchFamily="34" charset="0"/>
+                <a:latin typeface="Times New Roman" panose="02020603050405020304" pitchFamily="18" charset="0"/>
               </a:rPr>
               <a:t>Happy 1st work anniversary, Hemanth!!! Keep up your good work. Best wishes for more success...</a:t>
             </a:r>
             <a:endParaRPr lang="en-IN" sz="1800">
-              <a:latin typeface="Century Gothic" panose="020B0502020202020204" pitchFamily="34" charset="0"/>
+              <a:latin typeface="Times New Roman" panose="02020603050405020304" pitchFamily="18" charset="0"/>
             </a:endParaRPr>
           </a:p>
         </p:txBody>
@@ -7083,7 +7033,7 @@
           <p:cNvPr id="5" name="TextBox 4">
             <a:extLst>
               <a:ext uri="{FF2B5EF4-FFF2-40B4-BE49-F238E27FC236}">
-                <a16:creationId xmlns:a16="http://schemas.microsoft.com/office/drawing/2014/main" id="{B7604FC6-F730-CB17-6E0F-85D86DE8AA56}"/>
+                <a16:creationId xmlns:a16="http://schemas.microsoft.com/office/drawing/2014/main" id="{503081B0-030B-DC72-B6B4-581EF650E3DE}"/>
               </a:ext>
             </a:extLst>
           </p:cNvPr>
@@ -7092,8 +7042,8 @@
         </p:nvSpPr>
         <p:spPr>
           <a:xfrm>
-            <a:off x="6348498" y="3850640"/>
-            <a:ext cx="1271502" cy="369332"/>
+            <a:off x="6505592" y="3850640"/>
+            <a:ext cx="1114408" cy="369332"/>
           </a:xfrm>
           <a:prstGeom prst="rect">
             <a:avLst/>
@@ -7108,11 +7058,11 @@
           <a:p>
             <a:pPr algn="r"/>
             <a:r>
-              <a:rPr lang="en-IN" sz="1800" b="1">
+              <a:rPr lang="en-IN" sz="1800" b="1" i="1">
                 <a:solidFill>
                   <a:srgbClr val="FF0000"/>
                 </a:solidFill>
-                <a:latin typeface="Century Gothic" panose="020B0502020202020204" pitchFamily="34" charset="0"/>
+                <a:latin typeface="Times New Roman" panose="02020603050405020304" pitchFamily="18" charset="0"/>
               </a:rPr>
               <a:t>- Jebastin</a:t>
             </a:r>
@@ -7122,7 +7072,7 @@
     </p:spTree>
     <p:extLst>
       <p:ext uri="{BB962C8B-B14F-4D97-AF65-F5344CB8AC3E}">
-        <p14:creationId xmlns:p14="http://schemas.microsoft.com/office/powerpoint/2010/main" val="1745835670"/>
+        <p14:creationId xmlns:p14="http://schemas.microsoft.com/office/powerpoint/2010/main" val="3236132358"/>
       </p:ext>
     </p:extLst>
   </p:cSld>
@@ -7315,7 +7265,7 @@
           <p:cNvPr id="2" name="TextBox 1">
             <a:extLst>
               <a:ext uri="{FF2B5EF4-FFF2-40B4-BE49-F238E27FC236}">
-                <a16:creationId xmlns:a16="http://schemas.microsoft.com/office/drawing/2014/main" id="{58D08325-B08D-33BF-5A76-20B360F9FE71}"/>
+                <a16:creationId xmlns:a16="http://schemas.microsoft.com/office/drawing/2014/main" id="{FFB607C6-22D2-F53E-21FD-A20C1946C5ED}"/>
               </a:ext>
             </a:extLst>
           </p:cNvPr>
@@ -7341,12 +7291,12 @@
             <a:pPr algn="just"/>
             <a:r>
               <a:rPr lang="en-US" sz="1800">
-                <a:latin typeface="Century Gothic" panose="020B0502020202020204" pitchFamily="34" charset="0"/>
+                <a:latin typeface="Times New Roman" panose="02020603050405020304" pitchFamily="18" charset="0"/>
               </a:rPr>
               <a:t>Congratulations on your first work anniversary bro! Wishing you continued success and growth ahead. 🎉</a:t>
             </a:r>
             <a:endParaRPr lang="en-IN" sz="1800">
-              <a:latin typeface="Century Gothic" panose="020B0502020202020204" pitchFamily="34" charset="0"/>
+              <a:latin typeface="Times New Roman" panose="02020603050405020304" pitchFamily="18" charset="0"/>
             </a:endParaRPr>
           </a:p>
         </p:txBody>
@@ -7356,7 +7306,7 @@
           <p:cNvPr id="3" name="TextBox 2">
             <a:extLst>
               <a:ext uri="{FF2B5EF4-FFF2-40B4-BE49-F238E27FC236}">
-                <a16:creationId xmlns:a16="http://schemas.microsoft.com/office/drawing/2014/main" id="{5E1C2FD5-B382-31FD-A521-FC3A6275A593}"/>
+                <a16:creationId xmlns:a16="http://schemas.microsoft.com/office/drawing/2014/main" id="{1D3A1A9E-B909-2C27-0D19-2E148F9B52D3}"/>
               </a:ext>
             </a:extLst>
           </p:cNvPr>
@@ -7365,8 +7315,8 @@
         </p:nvSpPr>
         <p:spPr>
           <a:xfrm>
-            <a:off x="4984343" y="1945640"/>
-            <a:ext cx="2635657" cy="369332"/>
+            <a:off x="5203954" y="1945640"/>
+            <a:ext cx="2416046" cy="369332"/>
           </a:xfrm>
           <a:prstGeom prst="rect">
             <a:avLst/>
@@ -7381,11 +7331,11 @@
           <a:p>
             <a:pPr algn="r"/>
             <a:r>
-              <a:rPr lang="en-IN" sz="1800" b="1">
+              <a:rPr lang="en-IN" sz="1800" b="1" i="1">
                 <a:solidFill>
                   <a:srgbClr val="FF0000"/>
                 </a:solidFill>
-                <a:latin typeface="Century Gothic" panose="020B0502020202020204" pitchFamily="34" charset="0"/>
+                <a:latin typeface="Times New Roman" panose="02020603050405020304" pitchFamily="18" charset="0"/>
               </a:rPr>
               <a:t>- Steward Sam Rufus R</a:t>
             </a:r>
@@ -7397,7 +7347,7 @@
           <p:cNvPr id="4" name="TextBox 3">
             <a:extLst>
               <a:ext uri="{FF2B5EF4-FFF2-40B4-BE49-F238E27FC236}">
-                <a16:creationId xmlns:a16="http://schemas.microsoft.com/office/drawing/2014/main" id="{DECB7396-2881-C48D-0451-29F9035BAC1B}"/>
+                <a16:creationId xmlns:a16="http://schemas.microsoft.com/office/drawing/2014/main" id="{56A16D46-14A5-718E-799A-7771DC9F48D3}"/>
               </a:ext>
             </a:extLst>
           </p:cNvPr>
@@ -7423,12 +7373,12 @@
             <a:pPr algn="just"/>
             <a:r>
               <a:rPr lang="en-US" sz="1800">
-                <a:latin typeface="Century Gothic" panose="020B0502020202020204" pitchFamily="34" charset="0"/>
+                <a:latin typeface="Times New Roman" panose="02020603050405020304" pitchFamily="18" charset="0"/>
               </a:rPr>
               <a:t>Congrats on your 1st work anniversary bro! 🎉 Wishing you many more successes ahead!</a:t>
             </a:r>
             <a:endParaRPr lang="en-IN" sz="1800">
-              <a:latin typeface="Century Gothic" panose="020B0502020202020204" pitchFamily="34" charset="0"/>
+              <a:latin typeface="Times New Roman" panose="02020603050405020304" pitchFamily="18" charset="0"/>
             </a:endParaRPr>
           </a:p>
         </p:txBody>
@@ -7438,7 +7388,7 @@
           <p:cNvPr id="5" name="TextBox 4">
             <a:extLst>
               <a:ext uri="{FF2B5EF4-FFF2-40B4-BE49-F238E27FC236}">
-                <a16:creationId xmlns:a16="http://schemas.microsoft.com/office/drawing/2014/main" id="{915E5B1E-2E20-48A3-9273-DD73340F3392}"/>
+                <a16:creationId xmlns:a16="http://schemas.microsoft.com/office/drawing/2014/main" id="{6D79CAE6-388F-338B-FADC-A573861DE39B}"/>
               </a:ext>
             </a:extLst>
           </p:cNvPr>
@@ -7447,8 +7397,8 @@
         </p:nvSpPr>
         <p:spPr>
           <a:xfrm>
-            <a:off x="5625544" y="3850640"/>
-            <a:ext cx="1994456" cy="369332"/>
+            <a:off x="5922099" y="3850640"/>
+            <a:ext cx="1697901" cy="369332"/>
           </a:xfrm>
           <a:prstGeom prst="rect">
             <a:avLst/>
@@ -7463,11 +7413,11 @@
           <a:p>
             <a:pPr algn="r"/>
             <a:r>
-              <a:rPr lang="en-IN" sz="1800" b="1">
+              <a:rPr lang="en-IN" sz="1800" b="1" i="1">
                 <a:solidFill>
                   <a:srgbClr val="FF0000"/>
                 </a:solidFill>
-                <a:latin typeface="Century Gothic" panose="020B0502020202020204" pitchFamily="34" charset="0"/>
+                <a:latin typeface="Times New Roman" panose="02020603050405020304" pitchFamily="18" charset="0"/>
               </a:rPr>
               <a:t>- Vengadesan K</a:t>
             </a:r>
@@ -7477,7 +7427,7 @@
     </p:spTree>
     <p:extLst>
       <p:ext uri="{BB962C8B-B14F-4D97-AF65-F5344CB8AC3E}">
-        <p14:creationId xmlns:p14="http://schemas.microsoft.com/office/powerpoint/2010/main" val="4118922006"/>
+        <p14:creationId xmlns:p14="http://schemas.microsoft.com/office/powerpoint/2010/main" val="1058272016"/>
       </p:ext>
     </p:extLst>
   </p:cSld>
@@ -7667,10 +7617,10 @@
       </p:sp>
       <p:sp>
         <p:nvSpPr>
-          <p:cNvPr id="4" name="TextBox 3">
+          <p:cNvPr id="3" name="TextBox 2">
             <a:extLst>
               <a:ext uri="{FF2B5EF4-FFF2-40B4-BE49-F238E27FC236}">
-                <a16:creationId xmlns:a16="http://schemas.microsoft.com/office/drawing/2014/main" id="{EBCA4463-9F71-F80C-BF48-2639A2EA985C}"/>
+                <a16:creationId xmlns:a16="http://schemas.microsoft.com/office/drawing/2014/main" id="{CB7A90B4-2F00-46CB-A285-07390CDEE851}"/>
               </a:ext>
             </a:extLst>
           </p:cNvPr>
@@ -7679,8 +7629,8 @@
         </p:nvSpPr>
         <p:spPr>
           <a:xfrm>
-            <a:off x="2412595" y="2063750"/>
-            <a:ext cx="4318811" cy="1092607"/>
+            <a:off x="2615374" y="2063750"/>
+            <a:ext cx="3913252" cy="1092607"/>
           </a:xfrm>
           <a:prstGeom prst="rect">
             <a:avLst/>
@@ -7699,7 +7649,7 @@
                 <a:solidFill>
                   <a:srgbClr val="FF0000"/>
                 </a:solidFill>
-                <a:latin typeface="Century Gothic" panose="020B0502020202020204" pitchFamily="34" charset="0"/>
+                <a:latin typeface="Times New Roman" panose="02020603050405020304" pitchFamily="18" charset="0"/>
               </a:rPr>
               <a:t>Thank you</a:t>
             </a:r>
@@ -7709,7 +7659,7 @@
     </p:spTree>
     <p:extLst>
       <p:ext uri="{BB962C8B-B14F-4D97-AF65-F5344CB8AC3E}">
-        <p14:creationId xmlns:p14="http://schemas.microsoft.com/office/powerpoint/2010/main" val="684303465"/>
+        <p14:creationId xmlns:p14="http://schemas.microsoft.com/office/powerpoint/2010/main" val="1708793232"/>
       </p:ext>
     </p:extLst>
   </p:cSld>
@@ -7902,7 +7852,7 @@
           <p:cNvPr id="2" name="TextBox 1">
             <a:extLst>
               <a:ext uri="{FF2B5EF4-FFF2-40B4-BE49-F238E27FC236}">
-                <a16:creationId xmlns:a16="http://schemas.microsoft.com/office/drawing/2014/main" id="{90ED21E9-8FB1-D6C3-42B7-C98E1694D9CE}"/>
+                <a16:creationId xmlns:a16="http://schemas.microsoft.com/office/drawing/2014/main" id="{B5240502-0A94-F670-79A3-B8FCE8B69D67}"/>
               </a:ext>
             </a:extLst>
           </p:cNvPr>
@@ -7912,7 +7862,7 @@
         <p:spPr>
           <a:xfrm>
             <a:off x="1397000" y="1714500"/>
-            <a:ext cx="6350000" cy="1477328"/>
+            <a:ext cx="6350000" cy="1200329"/>
           </a:xfrm>
           <a:prstGeom prst="rect">
             <a:avLst/>
@@ -7928,12 +7878,12 @@
             <a:pPr algn="just"/>
             <a:r>
               <a:rPr lang="en-US" sz="1800">
-                <a:latin typeface="Century Gothic" panose="020B0502020202020204" pitchFamily="34" charset="0"/>
+                <a:latin typeface="Times New Roman" panose="02020603050405020304" pitchFamily="18" charset="0"/>
               </a:rPr>
               <a:t>Happy work anniversary! It's been another year of hard work, dedication, and success. Your commitment to your job is truly inspiring. Wishing you continued growth and fulfillment in your career. Congratulations on reaching this milestone!</a:t>
             </a:r>
             <a:endParaRPr lang="en-IN" sz="1800">
-              <a:latin typeface="Century Gothic" panose="020B0502020202020204" pitchFamily="34" charset="0"/>
+              <a:latin typeface="Times New Roman" panose="02020603050405020304" pitchFamily="18" charset="0"/>
             </a:endParaRPr>
           </a:p>
         </p:txBody>
@@ -7943,7 +7893,7 @@
           <p:cNvPr id="3" name="TextBox 2">
             <a:extLst>
               <a:ext uri="{FF2B5EF4-FFF2-40B4-BE49-F238E27FC236}">
-                <a16:creationId xmlns:a16="http://schemas.microsoft.com/office/drawing/2014/main" id="{30AD6917-D585-270C-67CB-939FD2B0C61F}"/>
+                <a16:creationId xmlns:a16="http://schemas.microsoft.com/office/drawing/2014/main" id="{ECAB8592-1F69-D5A7-8BAE-6761183F8D96}"/>
               </a:ext>
             </a:extLst>
           </p:cNvPr>
@@ -7952,8 +7902,8 @@
         </p:nvSpPr>
         <p:spPr>
           <a:xfrm>
-            <a:off x="6701522" y="3213100"/>
-            <a:ext cx="1045478" cy="369332"/>
+            <a:off x="6850601" y="2938780"/>
+            <a:ext cx="896399" cy="369332"/>
           </a:xfrm>
           <a:prstGeom prst="rect">
             <a:avLst/>
@@ -7968,11 +7918,11 @@
           <a:p>
             <a:pPr algn="r"/>
             <a:r>
-              <a:rPr lang="en-IN" sz="1800" b="1">
+              <a:rPr lang="en-IN" sz="1800" b="1" i="1">
                 <a:solidFill>
                   <a:srgbClr val="FF0000"/>
                 </a:solidFill>
-                <a:latin typeface="Century Gothic" panose="020B0502020202020204" pitchFamily="34" charset="0"/>
+                <a:latin typeface="Times New Roman" panose="02020603050405020304" pitchFamily="18" charset="0"/>
               </a:rPr>
               <a:t>- Jegan</a:t>
             </a:r>
@@ -7982,7 +7932,7 @@
     </p:spTree>
     <p:extLst>
       <p:ext uri="{BB962C8B-B14F-4D97-AF65-F5344CB8AC3E}">
-        <p14:creationId xmlns:p14="http://schemas.microsoft.com/office/powerpoint/2010/main" val="754066378"/>
+        <p14:creationId xmlns:p14="http://schemas.microsoft.com/office/powerpoint/2010/main" val="3260575520"/>
       </p:ext>
     </p:extLst>
   </p:cSld>
@@ -8175,7 +8125,7 @@
           <p:cNvPr id="2" name="TextBox 1">
             <a:extLst>
               <a:ext uri="{FF2B5EF4-FFF2-40B4-BE49-F238E27FC236}">
-                <a16:creationId xmlns:a16="http://schemas.microsoft.com/office/drawing/2014/main" id="{F52A249C-A63D-F4C0-0B03-A75EE8224821}"/>
+                <a16:creationId xmlns:a16="http://schemas.microsoft.com/office/drawing/2014/main" id="{FC94EB6B-2FF7-B9B8-E5B0-173FE813D7EC}"/>
               </a:ext>
             </a:extLst>
           </p:cNvPr>
@@ -8185,7 +8135,7 @@
         <p:spPr>
           <a:xfrm>
             <a:off x="1270000" y="1270000"/>
-            <a:ext cx="6350000" cy="923330"/>
+            <a:ext cx="6350000" cy="646331"/>
           </a:xfrm>
           <a:prstGeom prst="rect">
             <a:avLst/>
@@ -8201,12 +8151,12 @@
             <a:pPr algn="just"/>
             <a:r>
               <a:rPr lang="en-US" sz="1800">
-                <a:latin typeface="Century Gothic" panose="020B0502020202020204" pitchFamily="34" charset="0"/>
+                <a:latin typeface="Times New Roman" panose="02020603050405020304" pitchFamily="18" charset="0"/>
               </a:rPr>
               <a:t>Thank you so much Hemanthkumar for all your trust and hard work. Really appreciate your efforts. Keep up the good work.</a:t>
             </a:r>
             <a:endParaRPr lang="en-IN" sz="1800">
-              <a:latin typeface="Century Gothic" panose="020B0502020202020204" pitchFamily="34" charset="0"/>
+              <a:latin typeface="Times New Roman" panose="02020603050405020304" pitchFamily="18" charset="0"/>
             </a:endParaRPr>
           </a:p>
         </p:txBody>
@@ -8216,7 +8166,7 @@
           <p:cNvPr id="3" name="TextBox 2">
             <a:extLst>
               <a:ext uri="{FF2B5EF4-FFF2-40B4-BE49-F238E27FC236}">
-                <a16:creationId xmlns:a16="http://schemas.microsoft.com/office/drawing/2014/main" id="{F876A733-5FDC-BAB9-DDC7-BE54116D430F}"/>
+                <a16:creationId xmlns:a16="http://schemas.microsoft.com/office/drawing/2014/main" id="{675788EA-4682-77BA-0407-E1A39392B7B1}"/>
               </a:ext>
             </a:extLst>
           </p:cNvPr>
@@ -8225,8 +8175,8 @@
         </p:nvSpPr>
         <p:spPr>
           <a:xfrm>
-            <a:off x="6715586" y="2219960"/>
-            <a:ext cx="904414" cy="369332"/>
+            <a:off x="6787721" y="1945640"/>
+            <a:ext cx="832279" cy="369332"/>
           </a:xfrm>
           <a:prstGeom prst="rect">
             <a:avLst/>
@@ -8241,11 +8191,11 @@
           <a:p>
             <a:pPr algn="r"/>
             <a:r>
-              <a:rPr lang="en-IN" sz="1800" b="1">
+              <a:rPr lang="en-IN" sz="1800" b="1" i="1">
                 <a:solidFill>
                   <a:srgbClr val="FF0000"/>
                 </a:solidFill>
-                <a:latin typeface="Century Gothic" panose="020B0502020202020204" pitchFamily="34" charset="0"/>
+                <a:latin typeface="Times New Roman" panose="02020603050405020304" pitchFamily="18" charset="0"/>
               </a:rPr>
               <a:t>- Kapil</a:t>
             </a:r>
@@ -8255,7 +8205,7 @@
     </p:spTree>
     <p:extLst>
       <p:ext uri="{BB962C8B-B14F-4D97-AF65-F5344CB8AC3E}">
-        <p14:creationId xmlns:p14="http://schemas.microsoft.com/office/powerpoint/2010/main" val="1678925416"/>
+        <p14:creationId xmlns:p14="http://schemas.microsoft.com/office/powerpoint/2010/main" val="519086673"/>
       </p:ext>
     </p:extLst>
   </p:cSld>
@@ -8448,7 +8398,7 @@
           <p:cNvPr id="2" name="TextBox 1">
             <a:extLst>
               <a:ext uri="{FF2B5EF4-FFF2-40B4-BE49-F238E27FC236}">
-                <a16:creationId xmlns:a16="http://schemas.microsoft.com/office/drawing/2014/main" id="{672FC9BE-A111-81A2-36DB-2B5FB0FBFAD4}"/>
+                <a16:creationId xmlns:a16="http://schemas.microsoft.com/office/drawing/2014/main" id="{77910A13-3D2D-74BD-1533-C7944753633D}"/>
               </a:ext>
             </a:extLst>
           </p:cNvPr>
@@ -8458,7 +8408,7 @@
         <p:spPr>
           <a:xfrm>
             <a:off x="1397000" y="1714500"/>
-            <a:ext cx="6350000" cy="1200329"/>
+            <a:ext cx="6350000" cy="923330"/>
           </a:xfrm>
           <a:prstGeom prst="rect">
             <a:avLst/>
@@ -8474,12 +8424,12 @@
             <a:pPr algn="just"/>
             <a:r>
               <a:rPr lang="en-US" sz="1800">
-                <a:latin typeface="Century Gothic" panose="020B0502020202020204" pitchFamily="34" charset="0"/>
+                <a:latin typeface="Times New Roman" panose="02020603050405020304" pitchFamily="18" charset="0"/>
               </a:rPr>
               <a:t>Congratulations Hemanth! From an intern to where you are now, is truly a story. I am personally very proud of you and I can't be more excited for your future. Keep up the great work.</a:t>
             </a:r>
             <a:endParaRPr lang="en-IN" sz="1800">
-              <a:latin typeface="Century Gothic" panose="020B0502020202020204" pitchFamily="34" charset="0"/>
+              <a:latin typeface="Times New Roman" panose="02020603050405020304" pitchFamily="18" charset="0"/>
             </a:endParaRPr>
           </a:p>
         </p:txBody>
@@ -8489,7 +8439,7 @@
           <p:cNvPr id="3" name="TextBox 2">
             <a:extLst>
               <a:ext uri="{FF2B5EF4-FFF2-40B4-BE49-F238E27FC236}">
-                <a16:creationId xmlns:a16="http://schemas.microsoft.com/office/drawing/2014/main" id="{4085545E-15E9-8CB4-1F65-9901B0D38E6C}"/>
+                <a16:creationId xmlns:a16="http://schemas.microsoft.com/office/drawing/2014/main" id="{6D4C11D0-601A-A334-3851-F215A869F2E5}"/>
               </a:ext>
             </a:extLst>
           </p:cNvPr>
@@ -8498,8 +8448,8 @@
         </p:nvSpPr>
         <p:spPr>
           <a:xfrm>
-            <a:off x="6666256" y="2938780"/>
-            <a:ext cx="1080744" cy="369332"/>
+            <a:off x="6812129" y="2664460"/>
+            <a:ext cx="934871" cy="369332"/>
           </a:xfrm>
           <a:prstGeom prst="rect">
             <a:avLst/>
@@ -8514,11 +8464,11 @@
           <a:p>
             <a:pPr algn="r"/>
             <a:r>
-              <a:rPr lang="en-IN" sz="1800" b="1">
+              <a:rPr lang="en-IN" sz="1800" b="1" i="1">
                 <a:solidFill>
                   <a:srgbClr val="FF0000"/>
                 </a:solidFill>
-                <a:latin typeface="Century Gothic" panose="020B0502020202020204" pitchFamily="34" charset="0"/>
+                <a:latin typeface="Times New Roman" panose="02020603050405020304" pitchFamily="18" charset="0"/>
               </a:rPr>
               <a:t>- Aditya</a:t>
             </a:r>
@@ -8528,7 +8478,7 @@
     </p:spTree>
     <p:extLst>
       <p:ext uri="{BB962C8B-B14F-4D97-AF65-F5344CB8AC3E}">
-        <p14:creationId xmlns:p14="http://schemas.microsoft.com/office/powerpoint/2010/main" val="4151480831"/>
+        <p14:creationId xmlns:p14="http://schemas.microsoft.com/office/powerpoint/2010/main" val="3941532059"/>
       </p:ext>
     </p:extLst>
   </p:cSld>
@@ -8721,7 +8671,7 @@
           <p:cNvPr id="2" name="TextBox 1">
             <a:extLst>
               <a:ext uri="{FF2B5EF4-FFF2-40B4-BE49-F238E27FC236}">
-                <a16:creationId xmlns:a16="http://schemas.microsoft.com/office/drawing/2014/main" id="{B4AC574A-5BE0-5653-041C-9CCC26EA07AB}"/>
+                <a16:creationId xmlns:a16="http://schemas.microsoft.com/office/drawing/2014/main" id="{FA90A0E8-3911-3A05-090F-11FDD60F6B79}"/>
               </a:ext>
             </a:extLst>
           </p:cNvPr>
@@ -8731,7 +8681,7 @@
         <p:spPr>
           <a:xfrm>
             <a:off x="1270000" y="1270000"/>
-            <a:ext cx="6350000" cy="923330"/>
+            <a:ext cx="6350000" cy="646331"/>
           </a:xfrm>
           <a:prstGeom prst="rect">
             <a:avLst/>
@@ -8747,12 +8697,12 @@
             <a:pPr algn="just"/>
             <a:r>
               <a:rPr lang="en-US" sz="1800">
-                <a:latin typeface="Century Gothic" panose="020B0502020202020204" pitchFamily="34" charset="0"/>
+                <a:latin typeface="Times New Roman" panose="02020603050405020304" pitchFamily="18" charset="0"/>
               </a:rPr>
               <a:t>Hearty congratulations on your first anniversary, Hemanthkumar. Thank you for all your support and dedication.</a:t>
             </a:r>
             <a:endParaRPr lang="en-IN" sz="1800">
-              <a:latin typeface="Century Gothic" panose="020B0502020202020204" pitchFamily="34" charset="0"/>
+              <a:latin typeface="Times New Roman" panose="02020603050405020304" pitchFamily="18" charset="0"/>
             </a:endParaRPr>
           </a:p>
         </p:txBody>
@@ -8762,7 +8712,7 @@
           <p:cNvPr id="3" name="TextBox 2">
             <a:extLst>
               <a:ext uri="{FF2B5EF4-FFF2-40B4-BE49-F238E27FC236}">
-                <a16:creationId xmlns:a16="http://schemas.microsoft.com/office/drawing/2014/main" id="{D13F8CE5-84A9-1AC8-08A4-48040B3F0114}"/>
+                <a16:creationId xmlns:a16="http://schemas.microsoft.com/office/drawing/2014/main" id="{523FF41A-3755-736F-488B-97428A4A57BE}"/>
               </a:ext>
             </a:extLst>
           </p:cNvPr>
@@ -8771,8 +8721,8 @@
         </p:nvSpPr>
         <p:spPr>
           <a:xfrm>
-            <a:off x="6813369" y="2219960"/>
-            <a:ext cx="806631" cy="369332"/>
+            <a:off x="6903137" y="1945640"/>
+            <a:ext cx="716863" cy="369332"/>
           </a:xfrm>
           <a:prstGeom prst="rect">
             <a:avLst/>
@@ -8787,11 +8737,11 @@
           <a:p>
             <a:pPr algn="r"/>
             <a:r>
-              <a:rPr lang="en-IN" sz="1800" b="1">
+              <a:rPr lang="en-IN" sz="1800" b="1" i="1">
                 <a:solidFill>
                   <a:srgbClr val="FF0000"/>
                 </a:solidFill>
-                <a:latin typeface="Century Gothic" panose="020B0502020202020204" pitchFamily="34" charset="0"/>
+                <a:latin typeface="Times New Roman" panose="02020603050405020304" pitchFamily="18" charset="0"/>
               </a:rPr>
               <a:t>- Joel</a:t>
             </a:r>
@@ -8803,7 +8753,7 @@
           <p:cNvPr id="4" name="TextBox 3">
             <a:extLst>
               <a:ext uri="{FF2B5EF4-FFF2-40B4-BE49-F238E27FC236}">
-                <a16:creationId xmlns:a16="http://schemas.microsoft.com/office/drawing/2014/main" id="{C2377A59-B8CA-C1B6-7590-94DDE9F35F40}"/>
+                <a16:creationId xmlns:a16="http://schemas.microsoft.com/office/drawing/2014/main" id="{134A219E-22E9-4260-9308-D9DB74E2AAF0}"/>
               </a:ext>
             </a:extLst>
           </p:cNvPr>
@@ -8829,12 +8779,12 @@
             <a:pPr algn="just"/>
             <a:r>
               <a:rPr lang="en-US" sz="1800">
-                <a:latin typeface="Century Gothic" panose="020B0502020202020204" pitchFamily="34" charset="0"/>
+                <a:latin typeface="Times New Roman" panose="02020603050405020304" pitchFamily="18" charset="0"/>
               </a:rPr>
               <a:t>Thank you for all of your support and contributions, Wishing you many more wonderful years</a:t>
             </a:r>
             <a:endParaRPr lang="en-IN" sz="1800">
-              <a:latin typeface="Century Gothic" panose="020B0502020202020204" pitchFamily="34" charset="0"/>
+              <a:latin typeface="Times New Roman" panose="02020603050405020304" pitchFamily="18" charset="0"/>
             </a:endParaRPr>
           </a:p>
         </p:txBody>
@@ -8844,7 +8794,7 @@
           <p:cNvPr id="5" name="TextBox 4">
             <a:extLst>
               <a:ext uri="{FF2B5EF4-FFF2-40B4-BE49-F238E27FC236}">
-                <a16:creationId xmlns:a16="http://schemas.microsoft.com/office/drawing/2014/main" id="{4AF92DC9-8C58-2E68-8CC1-0A05D87C3D11}"/>
+                <a16:creationId xmlns:a16="http://schemas.microsoft.com/office/drawing/2014/main" id="{194B57C8-E466-0799-7A09-2605F688E42D}"/>
               </a:ext>
             </a:extLst>
           </p:cNvPr>
@@ -8853,8 +8803,8 @@
         </p:nvSpPr>
         <p:spPr>
           <a:xfrm>
-            <a:off x="6754058" y="3850640"/>
-            <a:ext cx="865942" cy="369332"/>
+            <a:off x="6800545" y="3850640"/>
+            <a:ext cx="819455" cy="369332"/>
           </a:xfrm>
           <a:prstGeom prst="rect">
             <a:avLst/>
@@ -8869,11 +8819,11 @@
           <a:p>
             <a:pPr algn="r"/>
             <a:r>
-              <a:rPr lang="en-IN" sz="1800" b="1">
+              <a:rPr lang="en-IN" sz="1800" b="1" i="1">
                 <a:solidFill>
                   <a:srgbClr val="FF0000"/>
                 </a:solidFill>
-                <a:latin typeface="Century Gothic" panose="020B0502020202020204" pitchFamily="34" charset="0"/>
+                <a:latin typeface="Times New Roman" panose="02020603050405020304" pitchFamily="18" charset="0"/>
               </a:rPr>
               <a:t>- Arun</a:t>
             </a:r>
@@ -8883,7 +8833,7 @@
     </p:spTree>
     <p:extLst>
       <p:ext uri="{BB962C8B-B14F-4D97-AF65-F5344CB8AC3E}">
-        <p14:creationId xmlns:p14="http://schemas.microsoft.com/office/powerpoint/2010/main" val="1065678396"/>
+        <p14:creationId xmlns:p14="http://schemas.microsoft.com/office/powerpoint/2010/main" val="2247167770"/>
       </p:ext>
     </p:extLst>
   </p:cSld>
@@ -9076,7 +9026,7 @@
           <p:cNvPr id="2" name="TextBox 1">
             <a:extLst>
               <a:ext uri="{FF2B5EF4-FFF2-40B4-BE49-F238E27FC236}">
-                <a16:creationId xmlns:a16="http://schemas.microsoft.com/office/drawing/2014/main" id="{1A2B0738-E66B-870A-EF4E-3B62ED0F0B48}"/>
+                <a16:creationId xmlns:a16="http://schemas.microsoft.com/office/drawing/2014/main" id="{1C997495-7B40-01C3-0A52-23E27C8FE1CB}"/>
               </a:ext>
             </a:extLst>
           </p:cNvPr>
@@ -9102,7 +9052,7 @@
             <a:pPr algn="just"/>
             <a:r>
               <a:rPr lang="en-IN" sz="1800">
-                <a:latin typeface="Century Gothic" panose="020B0502020202020204" pitchFamily="34" charset="0"/>
+                <a:latin typeface="Times New Roman" panose="02020603050405020304" pitchFamily="18" charset="0"/>
               </a:rPr>
               <a:t>Happy work anniversary Hemanth!!</a:t>
             </a:r>
@@ -9114,7 +9064,7 @@
           <p:cNvPr id="3" name="TextBox 2">
             <a:extLst>
               <a:ext uri="{FF2B5EF4-FFF2-40B4-BE49-F238E27FC236}">
-                <a16:creationId xmlns:a16="http://schemas.microsoft.com/office/drawing/2014/main" id="{68F038C4-316D-CC2A-323C-77D34C6576EE}"/>
+                <a16:creationId xmlns:a16="http://schemas.microsoft.com/office/drawing/2014/main" id="{1929E208-B8AB-1B1E-15EF-CE52FB9B5D38}"/>
               </a:ext>
             </a:extLst>
           </p:cNvPr>
@@ -9123,8 +9073,8 @@
         </p:nvSpPr>
         <p:spPr>
           <a:xfrm>
-            <a:off x="4493824" y="1671320"/>
-            <a:ext cx="3126176" cy="369332"/>
+            <a:off x="4857705" y="1671320"/>
+            <a:ext cx="2762295" cy="369332"/>
           </a:xfrm>
           <a:prstGeom prst="rect">
             <a:avLst/>
@@ -9139,11 +9089,11 @@
           <a:p>
             <a:pPr algn="r"/>
             <a:r>
-              <a:rPr lang="en-IN" sz="1800" b="1">
+              <a:rPr lang="en-IN" sz="1800" b="1" i="1">
                 <a:solidFill>
                   <a:srgbClr val="FF0000"/>
                 </a:solidFill>
-                <a:latin typeface="Century Gothic" panose="020B0502020202020204" pitchFamily="34" charset="0"/>
+                <a:latin typeface="Times New Roman" panose="02020603050405020304" pitchFamily="18" charset="0"/>
               </a:rPr>
               <a:t>- Kulanthaivelu Nagarajan</a:t>
             </a:r>
@@ -9155,7 +9105,7 @@
           <p:cNvPr id="4" name="TextBox 3">
             <a:extLst>
               <a:ext uri="{FF2B5EF4-FFF2-40B4-BE49-F238E27FC236}">
-                <a16:creationId xmlns:a16="http://schemas.microsoft.com/office/drawing/2014/main" id="{78385352-BE54-3C8B-306A-7EADAE20102F}"/>
+                <a16:creationId xmlns:a16="http://schemas.microsoft.com/office/drawing/2014/main" id="{BDE00195-FE09-24D5-0DE1-45CA08C04211}"/>
               </a:ext>
             </a:extLst>
           </p:cNvPr>
@@ -9181,12 +9131,12 @@
             <a:pPr algn="just"/>
             <a:r>
               <a:rPr lang="en-US" sz="1800">
-                <a:latin typeface="Century Gothic" panose="020B0502020202020204" pitchFamily="34" charset="0"/>
+                <a:latin typeface="Times New Roman" panose="02020603050405020304" pitchFamily="18" charset="0"/>
               </a:rPr>
               <a:t>Congrats Hemanth for your 1st Year Workiversary</a:t>
             </a:r>
             <a:endParaRPr lang="en-IN" sz="1800">
-              <a:latin typeface="Century Gothic" panose="020B0502020202020204" pitchFamily="34" charset="0"/>
+              <a:latin typeface="Times New Roman" panose="02020603050405020304" pitchFamily="18" charset="0"/>
             </a:endParaRPr>
           </a:p>
         </p:txBody>
@@ -9196,7 +9146,7 @@
           <p:cNvPr id="5" name="TextBox 4">
             <a:extLst>
               <a:ext uri="{FF2B5EF4-FFF2-40B4-BE49-F238E27FC236}">
-                <a16:creationId xmlns:a16="http://schemas.microsoft.com/office/drawing/2014/main" id="{62BCFEB2-8E7A-3210-E858-39F06D018F4C}"/>
+                <a16:creationId xmlns:a16="http://schemas.microsoft.com/office/drawing/2014/main" id="{87729E15-C482-3A56-E9D0-680C78B41C78}"/>
               </a:ext>
             </a:extLst>
           </p:cNvPr>
@@ -9205,8 +9155,8 @@
         </p:nvSpPr>
         <p:spPr>
           <a:xfrm>
-            <a:off x="6184992" y="3576320"/>
-            <a:ext cx="1435008" cy="369332"/>
+            <a:off x="6390176" y="3576320"/>
+            <a:ext cx="1229824" cy="369332"/>
           </a:xfrm>
           <a:prstGeom prst="rect">
             <a:avLst/>
@@ -9221,11 +9171,11 @@
           <a:p>
             <a:pPr algn="r"/>
             <a:r>
-              <a:rPr lang="en-IN" sz="1800" b="1">
+              <a:rPr lang="en-IN" sz="1800" b="1" i="1">
                 <a:solidFill>
                   <a:srgbClr val="FF0000"/>
                 </a:solidFill>
-                <a:latin typeface="Century Gothic" panose="020B0502020202020204" pitchFamily="34" charset="0"/>
+                <a:latin typeface="Times New Roman" panose="02020603050405020304" pitchFamily="18" charset="0"/>
               </a:rPr>
               <a:t>- Gavaskar</a:t>
             </a:r>
@@ -9235,7 +9185,7 @@
     </p:spTree>
     <p:extLst>
       <p:ext uri="{BB962C8B-B14F-4D97-AF65-F5344CB8AC3E}">
-        <p14:creationId xmlns:p14="http://schemas.microsoft.com/office/powerpoint/2010/main" val="35168519"/>
+        <p14:creationId xmlns:p14="http://schemas.microsoft.com/office/powerpoint/2010/main" val="1154073276"/>
       </p:ext>
     </p:extLst>
   </p:cSld>
@@ -9428,7 +9378,7 @@
           <p:cNvPr id="2" name="TextBox 1">
             <a:extLst>
               <a:ext uri="{FF2B5EF4-FFF2-40B4-BE49-F238E27FC236}">
-                <a16:creationId xmlns:a16="http://schemas.microsoft.com/office/drawing/2014/main" id="{327F813C-49E9-732E-48BB-FC9622C7E5FD}"/>
+                <a16:creationId xmlns:a16="http://schemas.microsoft.com/office/drawing/2014/main" id="{3C14610A-C07B-768A-AA47-854EE3E27180}"/>
               </a:ext>
             </a:extLst>
           </p:cNvPr>
@@ -9454,12 +9404,12 @@
             <a:pPr algn="just"/>
             <a:r>
               <a:rPr lang="en-US" sz="1800">
-                <a:latin typeface="Century Gothic" panose="020B0502020202020204" pitchFamily="34" charset="0"/>
+                <a:latin typeface="Times New Roman" panose="02020603050405020304" pitchFamily="18" charset="0"/>
               </a:rPr>
               <a:t>Cheers for completing a year... Hemanth!! Hope you reach greater heights and success.</a:t>
             </a:r>
             <a:endParaRPr lang="en-IN" sz="1800">
-              <a:latin typeface="Century Gothic" panose="020B0502020202020204" pitchFamily="34" charset="0"/>
+              <a:latin typeface="Times New Roman" panose="02020603050405020304" pitchFamily="18" charset="0"/>
             </a:endParaRPr>
           </a:p>
         </p:txBody>
@@ -9469,7 +9419,7 @@
           <p:cNvPr id="3" name="TextBox 2">
             <a:extLst>
               <a:ext uri="{FF2B5EF4-FFF2-40B4-BE49-F238E27FC236}">
-                <a16:creationId xmlns:a16="http://schemas.microsoft.com/office/drawing/2014/main" id="{D3914749-FAD8-201A-B3D8-2FF6E9F049CD}"/>
+                <a16:creationId xmlns:a16="http://schemas.microsoft.com/office/drawing/2014/main" id="{70D7EFED-3005-0037-1E43-5C8AECD96B80}"/>
               </a:ext>
             </a:extLst>
           </p:cNvPr>
@@ -9478,8 +9428,8 @@
         </p:nvSpPr>
         <p:spPr>
           <a:xfrm>
-            <a:off x="5582263" y="1945640"/>
-            <a:ext cx="2037737" cy="369332"/>
+            <a:off x="5716915" y="1945640"/>
+            <a:ext cx="1903085" cy="369332"/>
           </a:xfrm>
           <a:prstGeom prst="rect">
             <a:avLst/>
@@ -9494,11 +9444,11 @@
           <a:p>
             <a:pPr algn="r"/>
             <a:r>
-              <a:rPr lang="en-IN" sz="1800" b="1">
+              <a:rPr lang="en-IN" sz="1800" b="1" i="1">
                 <a:solidFill>
                   <a:srgbClr val="FF0000"/>
                 </a:solidFill>
-                <a:latin typeface="Century Gothic" panose="020B0502020202020204" pitchFamily="34" charset="0"/>
+                <a:latin typeface="Times New Roman" panose="02020603050405020304" pitchFamily="18" charset="0"/>
               </a:rPr>
               <a:t>- Yamini Durairaj</a:t>
             </a:r>
@@ -9510,7 +9460,7 @@
           <p:cNvPr id="4" name="TextBox 3">
             <a:extLst>
               <a:ext uri="{FF2B5EF4-FFF2-40B4-BE49-F238E27FC236}">
-                <a16:creationId xmlns:a16="http://schemas.microsoft.com/office/drawing/2014/main" id="{1C24E3D7-CA96-30C0-D394-254BD014B2DA}"/>
+                <a16:creationId xmlns:a16="http://schemas.microsoft.com/office/drawing/2014/main" id="{9783AAAD-B3E8-B87B-6367-90FFD61FC676}"/>
               </a:ext>
             </a:extLst>
           </p:cNvPr>
@@ -9536,7 +9486,7 @@
             <a:pPr algn="just"/>
             <a:r>
               <a:rPr lang="en-IN" sz="1800">
-                <a:latin typeface="Century Gothic" panose="020B0502020202020204" pitchFamily="34" charset="0"/>
+                <a:latin typeface="Times New Roman" panose="02020603050405020304" pitchFamily="18" charset="0"/>
               </a:rPr>
               <a:t>Happy work anniversary Hemanthaa!!</a:t>
             </a:r>
@@ -9548,7 +9498,7 @@
           <p:cNvPr id="5" name="TextBox 4">
             <a:extLst>
               <a:ext uri="{FF2B5EF4-FFF2-40B4-BE49-F238E27FC236}">
-                <a16:creationId xmlns:a16="http://schemas.microsoft.com/office/drawing/2014/main" id="{F0AA0210-B623-CB8A-725A-A94B4EBD01F0}"/>
+                <a16:creationId xmlns:a16="http://schemas.microsoft.com/office/drawing/2014/main" id="{37CCB6FC-B71E-FB11-5B53-E4A46BCD2FF6}"/>
               </a:ext>
             </a:extLst>
           </p:cNvPr>
@@ -9557,8 +9507,8 @@
         </p:nvSpPr>
         <p:spPr>
           <a:xfrm>
-            <a:off x="4796791" y="3576320"/>
-            <a:ext cx="2823209" cy="369332"/>
+            <a:off x="5178306" y="3576320"/>
+            <a:ext cx="2441694" cy="369332"/>
           </a:xfrm>
           <a:prstGeom prst="rect">
             <a:avLst/>
@@ -9573,11 +9523,11 @@
           <a:p>
             <a:pPr algn="r"/>
             <a:r>
-              <a:rPr lang="en-IN" sz="1800" b="1">
+              <a:rPr lang="en-IN" sz="1800" b="1" i="1">
                 <a:solidFill>
                   <a:srgbClr val="FF0000"/>
                 </a:solidFill>
-                <a:latin typeface="Century Gothic" panose="020B0502020202020204" pitchFamily="34" charset="0"/>
+                <a:latin typeface="Times New Roman" panose="02020603050405020304" pitchFamily="18" charset="0"/>
               </a:rPr>
               <a:t>- Gowtham Sundaresan</a:t>
             </a:r>
@@ -9587,7 +9537,7 @@
     </p:spTree>
     <p:extLst>
       <p:ext uri="{BB962C8B-B14F-4D97-AF65-F5344CB8AC3E}">
-        <p14:creationId xmlns:p14="http://schemas.microsoft.com/office/powerpoint/2010/main" val="4055826992"/>
+        <p14:creationId xmlns:p14="http://schemas.microsoft.com/office/powerpoint/2010/main" val="82417411"/>
       </p:ext>
     </p:extLst>
   </p:cSld>
@@ -9780,7 +9730,7 @@
           <p:cNvPr id="2" name="TextBox 1">
             <a:extLst>
               <a:ext uri="{FF2B5EF4-FFF2-40B4-BE49-F238E27FC236}">
-                <a16:creationId xmlns:a16="http://schemas.microsoft.com/office/drawing/2014/main" id="{F3BE829A-A4CD-4F4F-7602-B79EB9036F9E}"/>
+                <a16:creationId xmlns:a16="http://schemas.microsoft.com/office/drawing/2014/main" id="{2BB68269-BBC6-F7DF-51A4-5AEFF526F9DA}"/>
               </a:ext>
             </a:extLst>
           </p:cNvPr>
@@ -9806,12 +9756,12 @@
             <a:pPr algn="just"/>
             <a:r>
               <a:rPr lang="en-US" sz="1800">
-                <a:latin typeface="Century Gothic" panose="020B0502020202020204" pitchFamily="34" charset="0"/>
+                <a:latin typeface="Times New Roman" panose="02020603050405020304" pitchFamily="18" charset="0"/>
               </a:rPr>
               <a:t>Congrats Hemanth, the way you've equipped and learnt is a testimony for your hardwork and passion for growth. Wishing you all success in the coming days</a:t>
             </a:r>
             <a:endParaRPr lang="en-IN" sz="1800">
-              <a:latin typeface="Century Gothic" panose="020B0502020202020204" pitchFamily="34" charset="0"/>
+              <a:latin typeface="Times New Roman" panose="02020603050405020304" pitchFamily="18" charset="0"/>
             </a:endParaRPr>
           </a:p>
         </p:txBody>
@@ -9821,7 +9771,7 @@
           <p:cNvPr id="3" name="TextBox 2">
             <a:extLst>
               <a:ext uri="{FF2B5EF4-FFF2-40B4-BE49-F238E27FC236}">
-                <a16:creationId xmlns:a16="http://schemas.microsoft.com/office/drawing/2014/main" id="{CC82BBF8-9397-C894-558B-42ECCC8A8CF6}"/>
+                <a16:creationId xmlns:a16="http://schemas.microsoft.com/office/drawing/2014/main" id="{6B6E3A1F-9371-849B-FACE-9B58A1DD607A}"/>
               </a:ext>
             </a:extLst>
           </p:cNvPr>
@@ -9830,8 +9780,8 @@
         </p:nvSpPr>
         <p:spPr>
           <a:xfrm>
-            <a:off x="5143403" y="2664460"/>
-            <a:ext cx="2603597" cy="369332"/>
+            <a:off x="5484842" y="2664460"/>
+            <a:ext cx="2262158" cy="369332"/>
           </a:xfrm>
           <a:prstGeom prst="rect">
             <a:avLst/>
@@ -9846,11 +9796,11 @@
           <a:p>
             <a:pPr algn="r"/>
             <a:r>
-              <a:rPr lang="en-IN" sz="1800" b="1">
+              <a:rPr lang="en-IN" sz="1800" b="1" i="1">
                 <a:solidFill>
                   <a:srgbClr val="FF0000"/>
                 </a:solidFill>
-                <a:latin typeface="Century Gothic" panose="020B0502020202020204" pitchFamily="34" charset="0"/>
+                <a:latin typeface="Times New Roman" panose="02020603050405020304" pitchFamily="18" charset="0"/>
               </a:rPr>
               <a:t>- Jeninzen Rathnadev</a:t>
             </a:r>
@@ -9860,7 +9810,7 @@
     </p:spTree>
     <p:extLst>
       <p:ext uri="{BB962C8B-B14F-4D97-AF65-F5344CB8AC3E}">
-        <p14:creationId xmlns:p14="http://schemas.microsoft.com/office/powerpoint/2010/main" val="2046724314"/>
+        <p14:creationId xmlns:p14="http://schemas.microsoft.com/office/powerpoint/2010/main" val="2498920740"/>
       </p:ext>
     </p:extLst>
   </p:cSld>
@@ -10053,7 +10003,7 @@
           <p:cNvPr id="2" name="TextBox 1">
             <a:extLst>
               <a:ext uri="{FF2B5EF4-FFF2-40B4-BE49-F238E27FC236}">
-                <a16:creationId xmlns:a16="http://schemas.microsoft.com/office/drawing/2014/main" id="{2118F8EF-E1DB-20FA-FB41-659CA4E7FF82}"/>
+                <a16:creationId xmlns:a16="http://schemas.microsoft.com/office/drawing/2014/main" id="{96058224-E6CF-9711-BC24-9FF7B6197B09}"/>
               </a:ext>
             </a:extLst>
           </p:cNvPr>
@@ -10079,12 +10029,12 @@
             <a:pPr algn="just"/>
             <a:r>
               <a:rPr lang="en-US" sz="1800">
-                <a:latin typeface="Century Gothic" panose="020B0502020202020204" pitchFamily="34" charset="0"/>
+                <a:latin typeface="Times New Roman" panose="02020603050405020304" pitchFamily="18" charset="0"/>
               </a:rPr>
               <a:t>Happy 1st Work Anniversary Hemanth.., Wishing you many more successful years ahead!</a:t>
             </a:r>
             <a:endParaRPr lang="en-IN" sz="1800">
-              <a:latin typeface="Century Gothic" panose="020B0502020202020204" pitchFamily="34" charset="0"/>
+              <a:latin typeface="Times New Roman" panose="02020603050405020304" pitchFamily="18" charset="0"/>
             </a:endParaRPr>
           </a:p>
         </p:txBody>
@@ -10094,7 +10044,7 @@
           <p:cNvPr id="3" name="TextBox 2">
             <a:extLst>
               <a:ext uri="{FF2B5EF4-FFF2-40B4-BE49-F238E27FC236}">
-                <a16:creationId xmlns:a16="http://schemas.microsoft.com/office/drawing/2014/main" id="{53059A02-3345-9676-2B7C-145AB4B9C5D6}"/>
+                <a16:creationId xmlns:a16="http://schemas.microsoft.com/office/drawing/2014/main" id="{D020B714-C9BA-103E-76E7-B12877437DFE}"/>
               </a:ext>
             </a:extLst>
           </p:cNvPr>
@@ -10103,8 +10053,8 @@
         </p:nvSpPr>
         <p:spPr>
           <a:xfrm>
-            <a:off x="4202078" y="1945640"/>
-            <a:ext cx="3417922" cy="369332"/>
+            <a:off x="4601225" y="1945640"/>
+            <a:ext cx="3018775" cy="369332"/>
           </a:xfrm>
           <a:prstGeom prst="rect">
             <a:avLst/>
@@ -10119,11 +10069,11 @@
           <a:p>
             <a:pPr algn="r"/>
             <a:r>
-              <a:rPr lang="en-IN" sz="1800" b="1">
+              <a:rPr lang="en-IN" sz="1800" b="1" i="1">
                 <a:solidFill>
                   <a:srgbClr val="FF0000"/>
                 </a:solidFill>
-                <a:latin typeface="Century Gothic" panose="020B0502020202020204" pitchFamily="34" charset="0"/>
+                <a:latin typeface="Times New Roman" panose="02020603050405020304" pitchFamily="18" charset="0"/>
               </a:rPr>
               <a:t>- Gokulkrishna Govindarajan</a:t>
             </a:r>
@@ -10135,7 +10085,7 @@
           <p:cNvPr id="4" name="TextBox 3">
             <a:extLst>
               <a:ext uri="{FF2B5EF4-FFF2-40B4-BE49-F238E27FC236}">
-                <a16:creationId xmlns:a16="http://schemas.microsoft.com/office/drawing/2014/main" id="{9D7F1B79-2333-8A48-9B9F-CEB7E8376269}"/>
+                <a16:creationId xmlns:a16="http://schemas.microsoft.com/office/drawing/2014/main" id="{0070E5A8-9D4B-B86F-CB7E-F715A9936179}"/>
               </a:ext>
             </a:extLst>
           </p:cNvPr>
@@ -10161,12 +10111,12 @@
             <a:pPr algn="just"/>
             <a:r>
               <a:rPr lang="en-US" sz="1800">
-                <a:latin typeface="Century Gothic" panose="020B0502020202020204" pitchFamily="34" charset="0"/>
+                <a:latin typeface="Times New Roman" panose="02020603050405020304" pitchFamily="18" charset="0"/>
               </a:rPr>
               <a:t>Congrats Hemanth, Wishing you more success, growth, and achievements ahead</a:t>
             </a:r>
             <a:endParaRPr lang="en-IN" sz="1800">
-              <a:latin typeface="Century Gothic" panose="020B0502020202020204" pitchFamily="34" charset="0"/>
+              <a:latin typeface="Times New Roman" panose="02020603050405020304" pitchFamily="18" charset="0"/>
             </a:endParaRPr>
           </a:p>
         </p:txBody>
@@ -10176,7 +10126,7 @@
           <p:cNvPr id="5" name="TextBox 4">
             <a:extLst>
               <a:ext uri="{FF2B5EF4-FFF2-40B4-BE49-F238E27FC236}">
-                <a16:creationId xmlns:a16="http://schemas.microsoft.com/office/drawing/2014/main" id="{4F931714-7B20-8D69-CE44-C83D5212D0D4}"/>
+                <a16:creationId xmlns:a16="http://schemas.microsoft.com/office/drawing/2014/main" id="{05B6D34A-003C-EDC1-DE0F-3A0E723704A8}"/>
               </a:ext>
             </a:extLst>
           </p:cNvPr>
@@ -10185,8 +10135,8 @@
         </p:nvSpPr>
         <p:spPr>
           <a:xfrm>
-            <a:off x="6353308" y="3850640"/>
-            <a:ext cx="1266692" cy="369332"/>
+            <a:off x="6467120" y="3850640"/>
+            <a:ext cx="1152880" cy="369332"/>
           </a:xfrm>
           <a:prstGeom prst="rect">
             <a:avLst/>
@@ -10201,11 +10151,11 @@
           <a:p>
             <a:pPr algn="r"/>
             <a:r>
-              <a:rPr lang="en-IN" sz="1800" b="1">
+              <a:rPr lang="en-IN" sz="1800" b="1" i="1">
                 <a:solidFill>
                   <a:srgbClr val="FF0000"/>
                 </a:solidFill>
-                <a:latin typeface="Century Gothic" panose="020B0502020202020204" pitchFamily="34" charset="0"/>
+                <a:latin typeface="Times New Roman" panose="02020603050405020304" pitchFamily="18" charset="0"/>
               </a:rPr>
               <a:t>- Chenthil</a:t>
             </a:r>
@@ -10215,7 +10165,7 @@
     </p:spTree>
     <p:extLst>
       <p:ext uri="{BB962C8B-B14F-4D97-AF65-F5344CB8AC3E}">
-        <p14:creationId xmlns:p14="http://schemas.microsoft.com/office/powerpoint/2010/main" val="1532769904"/>
+        <p14:creationId xmlns:p14="http://schemas.microsoft.com/office/powerpoint/2010/main" val="3607606966"/>
       </p:ext>
     </p:extLst>
   </p:cSld>
